--- a/mongodb-getting-start/mongodb-backup-recover.pptx
+++ b/mongodb-getting-start/mongodb-backup-recover.pptx
@@ -5,10 +5,10 @@
     <p:sldMasterId id="2147483741" r:id="rId1"/>
   </p:sldMasterIdLst>
   <p:notesMasterIdLst>
-    <p:notesMasterId r:id="rId7"/>
+    <p:notesMasterId r:id="rId8"/>
   </p:notesMasterIdLst>
   <p:handoutMasterIdLst>
-    <p:handoutMasterId r:id="rId8"/>
+    <p:handoutMasterId r:id="rId9"/>
   </p:handoutMasterIdLst>
   <p:sldIdLst>
     <p:sldId id="594" r:id="rId2"/>
@@ -16,6 +16,7 @@
     <p:sldId id="2147309816" r:id="rId4"/>
     <p:sldId id="2147309820" r:id="rId5"/>
     <p:sldId id="2147309821" r:id="rId6"/>
+    <p:sldId id="2147309822" r:id="rId7"/>
   </p:sldIdLst>
   <p:sldSz cx="12192000" cy="6858000"/>
   <p:notesSz cx="7315200" cy="12344400"/>
@@ -1052,6 +1053,91 @@
     <p:extLst>
       <p:ext uri="{BB962C8B-B14F-4D97-AF65-F5344CB8AC3E}">
         <p14:creationId xmlns:p14="http://schemas.microsoft.com/office/powerpoint/2010/main" val="3644594230"/>
+      </p:ext>
+    </p:extLst>
+  </p:cSld>
+  <p:clrMapOvr>
+    <a:masterClrMapping/>
+  </p:clrMapOvr>
+</p:notes>
+</file>
+
+<file path=ppt/notesSlides/notesSlide4.xml><?xml version="1.0" encoding="utf-8"?>
+<p:notes xmlns:a="http://schemas.openxmlformats.org/drawingml/2006/main" xmlns:r="http://schemas.openxmlformats.org/officeDocument/2006/relationships" xmlns:p="http://schemas.openxmlformats.org/presentationml/2006/main">
+  <p:cSld>
+    <p:spTree>
+      <p:nvGrpSpPr>
+        <p:cNvPr id="1" name=""/>
+        <p:cNvGrpSpPr/>
+        <p:nvPr/>
+      </p:nvGrpSpPr>
+      <p:grpSpPr>
+        <a:xfrm>
+          <a:off x="0" y="0"/>
+          <a:ext cx="0" cy="0"/>
+          <a:chOff x="0" y="0"/>
+          <a:chExt cx="0" cy="0"/>
+        </a:xfrm>
+      </p:grpSpPr>
+      <p:sp>
+        <p:nvSpPr>
+          <p:cNvPr id="2" name="Slide Image Placeholder 1"/>
+          <p:cNvSpPr>
+            <a:spLocks noGrp="1" noRot="1" noChangeAspect="1"/>
+          </p:cNvSpPr>
+          <p:nvPr>
+            <p:ph type="sldImg"/>
+          </p:nvPr>
+        </p:nvSpPr>
+        <p:spPr/>
+      </p:sp>
+      <p:sp>
+        <p:nvSpPr>
+          <p:cNvPr id="3" name="Notes Placeholder 2"/>
+          <p:cNvSpPr>
+            <a:spLocks noGrp="1"/>
+          </p:cNvSpPr>
+          <p:nvPr>
+            <p:ph type="body" idx="1"/>
+          </p:nvPr>
+        </p:nvSpPr>
+        <p:spPr/>
+        <p:txBody>
+          <a:bodyPr/>
+          <a:lstStyle/>
+          <a:p>
+            <a:endParaRPr lang="en-US" dirty="0"/>
+          </a:p>
+        </p:txBody>
+      </p:sp>
+      <p:sp>
+        <p:nvSpPr>
+          <p:cNvPr id="4" name="Slide Number Placeholder 3"/>
+          <p:cNvSpPr>
+            <a:spLocks noGrp="1"/>
+          </p:cNvSpPr>
+          <p:nvPr>
+            <p:ph type="sldNum" sz="quarter" idx="5"/>
+          </p:nvPr>
+        </p:nvSpPr>
+        <p:spPr/>
+        <p:txBody>
+          <a:bodyPr/>
+          <a:lstStyle/>
+          <a:p>
+            <a:fld id="{9EDC5964-3162-43B5-B1EC-63C8D166D7D3}" type="slidenum">
+              <a:rPr lang="en-US" smtClean="0"/>
+              <a:pPr/>
+              <a:t>6</a:t>
+            </a:fld>
+            <a:endParaRPr lang="en-US" dirty="0"/>
+          </a:p>
+        </p:txBody>
+      </p:sp>
+    </p:spTree>
+    <p:extLst>
+      <p:ext uri="{BB962C8B-B14F-4D97-AF65-F5344CB8AC3E}">
+        <p14:creationId xmlns:p14="http://schemas.microsoft.com/office/powerpoint/2010/main" val="3133358341"/>
       </p:ext>
     </p:extLst>
   </p:cSld>
@@ -5213,7 +5299,7 @@
             </a:r>
             <a:r>
               <a:rPr lang="zh-CN" altLang="en-US" dirty="0"/>
-              <a:t>跟单实例备份相同</a:t>
+              <a:t>跟单实例备份相同，按文件快照方式备份</a:t>
             </a:r>
             <a:endParaRPr lang="en-US" altLang="zh-CN" dirty="0"/>
           </a:p>
@@ -5225,7 +5311,316 @@
             <a:endParaRPr lang="en-US" altLang="zh-CN" dirty="0"/>
           </a:p>
           <a:p>
+            <a:pPr marL="342900" indent="-342900">
+              <a:buAutoNum type="arabicPeriod"/>
+            </a:pPr>
+            <a:r>
+              <a:rPr lang="zh-CN" altLang="en-US" dirty="0"/>
+              <a:t>恢复到指定数据路径</a:t>
+            </a:r>
             <a:endParaRPr lang="en-US" altLang="zh-CN" dirty="0"/>
+          </a:p>
+          <a:p>
+            <a:pPr marL="342900" indent="-342900">
+              <a:buAutoNum type="arabicPeriod"/>
+            </a:pPr>
+            <a:r>
+              <a:rPr lang="zh-CN" altLang="en-US" dirty="0"/>
+              <a:t>启动后删除</a:t>
+            </a:r>
+            <a:r>
+              <a:rPr lang="en-US" altLang="zh-CN" dirty="0"/>
+              <a:t>local</a:t>
+            </a:r>
+            <a:r>
+              <a:rPr lang="zh-CN" altLang="en-US" dirty="0"/>
+              <a:t> </a:t>
+            </a:r>
+            <a:r>
+              <a:rPr lang="en-US" altLang="zh-CN" dirty="0"/>
+              <a:t>database</a:t>
+            </a:r>
+          </a:p>
+          <a:p>
+            <a:pPr marL="365125" lvl="2" indent="0">
+              <a:buNone/>
+            </a:pPr>
+            <a:r>
+              <a:rPr lang="en-US" altLang="zh-CN" b="0" i="1" dirty="0" err="1">
+                <a:solidFill>
+                  <a:srgbClr val="001E2B"/>
+                </a:solidFill>
+                <a:effectLst/>
+                <a:highlight>
+                  <a:srgbClr val="C0C0C0"/>
+                </a:highlight>
+                <a:latin typeface="Source Code Pro" panose="020B0509030403020204" pitchFamily="49" charset="0"/>
+              </a:rPr>
+              <a:t>mongod</a:t>
+            </a:r>
+            <a:r>
+              <a:rPr lang="en-US" altLang="zh-CN" b="0" i="1" dirty="0">
+                <a:solidFill>
+                  <a:srgbClr val="001E2B"/>
+                </a:solidFill>
+                <a:effectLst/>
+                <a:highlight>
+                  <a:srgbClr val="C0C0C0"/>
+                </a:highlight>
+                <a:latin typeface="Source Code Pro" panose="020B0509030403020204" pitchFamily="49" charset="0"/>
+              </a:rPr>
+              <a:t> --</a:t>
+            </a:r>
+            <a:r>
+              <a:rPr lang="en-US" altLang="zh-CN" b="0" i="1" dirty="0" err="1">
+                <a:solidFill>
+                  <a:srgbClr val="001E2B"/>
+                </a:solidFill>
+                <a:effectLst/>
+                <a:highlight>
+                  <a:srgbClr val="C0C0C0"/>
+                </a:highlight>
+                <a:latin typeface="Source Code Pro" panose="020B0509030403020204" pitchFamily="49" charset="0"/>
+              </a:rPr>
+              <a:t>dbpath</a:t>
+            </a:r>
+            <a:r>
+              <a:rPr lang="en-US" altLang="zh-CN" b="0" i="1" dirty="0">
+                <a:solidFill>
+                  <a:srgbClr val="001E2B"/>
+                </a:solidFill>
+                <a:effectLst/>
+                <a:highlight>
+                  <a:srgbClr val="C0C0C0"/>
+                </a:highlight>
+                <a:latin typeface="Source Code Pro" panose="020B0509030403020204" pitchFamily="49" charset="0"/>
+              </a:rPr>
+              <a:t> /data/</a:t>
+            </a:r>
+            <a:r>
+              <a:rPr lang="en-US" altLang="zh-CN" b="0" i="1" dirty="0" err="1">
+                <a:solidFill>
+                  <a:srgbClr val="001E2B"/>
+                </a:solidFill>
+                <a:effectLst/>
+                <a:highlight>
+                  <a:srgbClr val="C0C0C0"/>
+                </a:highlight>
+                <a:latin typeface="Source Code Pro" panose="020B0509030403020204" pitchFamily="49" charset="0"/>
+              </a:rPr>
+              <a:t>db</a:t>
+            </a:r>
+            <a:endParaRPr lang="en-US" altLang="zh-CN" b="0" i="1" dirty="0">
+              <a:solidFill>
+                <a:srgbClr val="001E2B"/>
+              </a:solidFill>
+              <a:effectLst/>
+              <a:highlight>
+                <a:srgbClr val="C0C0C0"/>
+              </a:highlight>
+              <a:latin typeface="Source Code Pro" panose="020B0509030403020204" pitchFamily="49" charset="0"/>
+            </a:endParaRPr>
+          </a:p>
+          <a:p>
+            <a:pPr marL="365125" lvl="2" indent="0">
+              <a:buNone/>
+            </a:pPr>
+            <a:r>
+              <a:rPr lang="en-US" altLang="zh-CN" i="1" dirty="0">
+                <a:highlight>
+                  <a:srgbClr val="C0C0C0"/>
+                </a:highlight>
+              </a:rPr>
+              <a:t>use local</a:t>
+            </a:r>
+          </a:p>
+          <a:p>
+            <a:pPr marL="365125" lvl="2" indent="0">
+              <a:buNone/>
+            </a:pPr>
+            <a:r>
+              <a:rPr lang="en-US" altLang="zh-CN" i="1" dirty="0" err="1">
+                <a:highlight>
+                  <a:srgbClr val="C0C0C0"/>
+                </a:highlight>
+              </a:rPr>
+              <a:t>db.dropDatabase</a:t>
+            </a:r>
+            <a:r>
+              <a:rPr lang="en-US" altLang="zh-CN" i="1" dirty="0">
+                <a:highlight>
+                  <a:srgbClr val="C0C0C0"/>
+                </a:highlight>
+              </a:rPr>
+              <a:t>()</a:t>
+            </a:r>
+          </a:p>
+          <a:p>
+            <a:pPr marL="342900" indent="-342900">
+              <a:buAutoNum type="arabicPeriod"/>
+            </a:pPr>
+            <a:r>
+              <a:rPr lang="zh-CN" altLang="en-US" dirty="0"/>
+              <a:t>按单节点复制集启动</a:t>
+            </a:r>
+            <a:endParaRPr lang="en-US" altLang="zh-CN" dirty="0"/>
+          </a:p>
+          <a:p>
+            <a:pPr lvl="1" indent="0">
+              <a:buNone/>
+            </a:pPr>
+            <a:r>
+              <a:rPr lang="en-US" altLang="zh-CN" sz="1600" i="1" dirty="0" err="1">
+                <a:highlight>
+                  <a:srgbClr val="C0C0C0"/>
+                </a:highlight>
+              </a:rPr>
+              <a:t>mongod</a:t>
+            </a:r>
+            <a:r>
+              <a:rPr lang="en-US" altLang="zh-CN" sz="1600" i="1" dirty="0">
+                <a:highlight>
+                  <a:srgbClr val="C0C0C0"/>
+                </a:highlight>
+              </a:rPr>
+              <a:t> --</a:t>
+            </a:r>
+            <a:r>
+              <a:rPr lang="en-US" altLang="zh-CN" sz="1600" i="1" dirty="0" err="1">
+                <a:highlight>
+                  <a:srgbClr val="C0C0C0"/>
+                </a:highlight>
+              </a:rPr>
+              <a:t>dbpath</a:t>
+            </a:r>
+            <a:r>
+              <a:rPr lang="en-US" altLang="zh-CN" sz="1600" i="1" dirty="0">
+                <a:highlight>
+                  <a:srgbClr val="C0C0C0"/>
+                </a:highlight>
+              </a:rPr>
+              <a:t> /data/</a:t>
+            </a:r>
+            <a:r>
+              <a:rPr lang="en-US" altLang="zh-CN" sz="1600" i="1" dirty="0" err="1">
+                <a:highlight>
+                  <a:srgbClr val="C0C0C0"/>
+                </a:highlight>
+              </a:rPr>
+              <a:t>db</a:t>
+            </a:r>
+            <a:r>
+              <a:rPr lang="en-US" altLang="zh-CN" sz="1600" i="1" dirty="0">
+                <a:highlight>
+                  <a:srgbClr val="C0C0C0"/>
+                </a:highlight>
+              </a:rPr>
+              <a:t> --</a:t>
+            </a:r>
+            <a:r>
+              <a:rPr lang="en-US" altLang="zh-CN" sz="1600" i="1" dirty="0" err="1">
+                <a:highlight>
+                  <a:srgbClr val="C0C0C0"/>
+                </a:highlight>
+              </a:rPr>
+              <a:t>replSet</a:t>
+            </a:r>
+            <a:r>
+              <a:rPr lang="en-US" altLang="zh-CN" sz="1600" i="1" dirty="0">
+                <a:highlight>
+                  <a:srgbClr val="C0C0C0"/>
+                </a:highlight>
+              </a:rPr>
+              <a:t> &lt;</a:t>
+            </a:r>
+            <a:r>
+              <a:rPr lang="en-US" altLang="zh-CN" sz="1600" i="1" dirty="0" err="1">
+                <a:highlight>
+                  <a:srgbClr val="C0C0C0"/>
+                </a:highlight>
+              </a:rPr>
+              <a:t>replName</a:t>
+            </a:r>
+            <a:r>
+              <a:rPr lang="en-US" altLang="zh-CN" sz="1600" i="1" dirty="0">
+                <a:highlight>
+                  <a:srgbClr val="C0C0C0"/>
+                </a:highlight>
+              </a:rPr>
+              <a:t>&gt;</a:t>
+            </a:r>
+          </a:p>
+          <a:p>
+            <a:pPr marL="342900" indent="-342900">
+              <a:buAutoNum type="arabicPeriod"/>
+            </a:pPr>
+            <a:r>
+              <a:rPr lang="zh-CN" altLang="en-US" dirty="0"/>
+              <a:t>连接到</a:t>
+            </a:r>
+            <a:r>
+              <a:rPr lang="en-US" altLang="zh-CN" dirty="0" err="1"/>
+              <a:t>mongodb</a:t>
+            </a:r>
+            <a:r>
+              <a:rPr lang="zh-CN" altLang="en-US" dirty="0"/>
+              <a:t>，初始化复制集</a:t>
+            </a:r>
+            <a:endParaRPr lang="en-US" altLang="zh-CN" dirty="0"/>
+          </a:p>
+          <a:p>
+            <a:pPr lvl="1" indent="0">
+              <a:buNone/>
+            </a:pPr>
+            <a:r>
+              <a:rPr lang="en-US" altLang="zh-CN" sz="1600" i="1" dirty="0" err="1"/>
+              <a:t>rs.initiate</a:t>
+            </a:r>
+            <a:r>
+              <a:rPr lang="en-US" altLang="zh-CN" sz="1600" i="1" dirty="0"/>
+              <a:t>()</a:t>
+            </a:r>
+          </a:p>
+          <a:p>
+            <a:pPr marL="342900" indent="-342900">
+              <a:buAutoNum type="arabicPeriod"/>
+            </a:pPr>
+            <a:r>
+              <a:rPr lang="zh-CN" altLang="en-US" dirty="0"/>
+              <a:t>关闭</a:t>
+            </a:r>
+            <a:r>
+              <a:rPr lang="en-US" altLang="zh-CN" dirty="0" err="1"/>
+              <a:t>mongodb</a:t>
+            </a:r>
+            <a:r>
+              <a:rPr lang="zh-CN" altLang="en-US" dirty="0"/>
+              <a:t>，将数据文件拷贝到其它节点</a:t>
+            </a:r>
+            <a:endParaRPr lang="en-US" altLang="zh-CN" dirty="0"/>
+          </a:p>
+          <a:p>
+            <a:pPr marL="342900" indent="-342900">
+              <a:buAutoNum type="arabicPeriod"/>
+            </a:pPr>
+            <a:r>
+              <a:rPr lang="zh-CN" altLang="en-US" dirty="0"/>
+              <a:t>添加其它节点</a:t>
+            </a:r>
+            <a:endParaRPr lang="en-US" altLang="zh-CN" dirty="0"/>
+          </a:p>
+          <a:p>
+            <a:pPr lvl="1" indent="0">
+              <a:buNone/>
+            </a:pPr>
+            <a:r>
+              <a:rPr lang="en-US" altLang="zh-CN" sz="1600" i="1" dirty="0" err="1"/>
+              <a:t>rs.add</a:t>
+            </a:r>
+            <a:r>
+              <a:rPr lang="en-US" altLang="zh-CN" sz="1600" i="1" dirty="0"/>
+              <a:t>()</a:t>
+            </a:r>
           </a:p>
         </p:txBody>
       </p:sp>
@@ -5246,6 +5641,861 @@
       </p:transition>
     </mc:Choice>
     <mc:Fallback xmlns="">
+      <p:transition spd="med">
+        <p:fade/>
+      </p:transition>
+    </mc:Fallback>
+  </mc:AlternateContent>
+</p:sld>
+</file>
+
+<file path=ppt/slides/slide6.xml><?xml version="1.0" encoding="utf-8"?>
+<p:sld xmlns:a="http://schemas.openxmlformats.org/drawingml/2006/main" xmlns:r="http://schemas.openxmlformats.org/officeDocument/2006/relationships" xmlns:p="http://schemas.openxmlformats.org/presentationml/2006/main">
+  <p:cSld>
+    <p:spTree>
+      <p:nvGrpSpPr>
+        <p:cNvPr id="1" name=""/>
+        <p:cNvGrpSpPr/>
+        <p:nvPr/>
+      </p:nvGrpSpPr>
+      <p:grpSpPr>
+        <a:xfrm>
+          <a:off x="0" y="0"/>
+          <a:ext cx="0" cy="0"/>
+          <a:chOff x="0" y="0"/>
+          <a:chExt cx="0" cy="0"/>
+        </a:xfrm>
+      </p:grpSpPr>
+      <p:sp>
+        <p:nvSpPr>
+          <p:cNvPr id="6" name="Title 5">
+            <a:extLst>
+              <a:ext uri="{FF2B5EF4-FFF2-40B4-BE49-F238E27FC236}">
+                <a16:creationId xmlns:a16="http://schemas.microsoft.com/office/drawing/2014/main" id="{0FB4D1C4-8756-9532-0A85-EA9D2F64540C}"/>
+              </a:ext>
+            </a:extLst>
+          </p:cNvPr>
+          <p:cNvSpPr>
+            <a:spLocks noGrp="1"/>
+          </p:cNvSpPr>
+          <p:nvPr>
+            <p:ph type="title"/>
+          </p:nvPr>
+        </p:nvSpPr>
+        <p:spPr/>
+        <p:txBody>
+          <a:bodyPr/>
+          <a:lstStyle/>
+          <a:p>
+            <a:r>
+              <a:rPr lang="en-US" dirty="0" err="1"/>
+              <a:t>备份和恢复MongoDB分片集群</a:t>
+            </a:r>
+            <a:endParaRPr lang="en-US" dirty="0"/>
+          </a:p>
+        </p:txBody>
+      </p:sp>
+      <p:sp>
+        <p:nvSpPr>
+          <p:cNvPr id="8" name="Content Placeholder 7">
+            <a:extLst>
+              <a:ext uri="{FF2B5EF4-FFF2-40B4-BE49-F238E27FC236}">
+                <a16:creationId xmlns:a16="http://schemas.microsoft.com/office/drawing/2014/main" id="{316A7357-27F4-93AD-C3B1-35C2A7B6AA9D}"/>
+              </a:ext>
+            </a:extLst>
+          </p:cNvPr>
+          <p:cNvSpPr>
+            <a:spLocks noGrp="1"/>
+          </p:cNvSpPr>
+          <p:nvPr>
+            <p:ph sz="quarter" idx="14"/>
+          </p:nvPr>
+        </p:nvSpPr>
+        <p:spPr>
+          <a:xfrm>
+            <a:off x="685801" y="1175544"/>
+            <a:ext cx="5410199" cy="5301456"/>
+          </a:xfrm>
+        </p:spPr>
+        <p:txBody>
+          <a:bodyPr/>
+          <a:lstStyle/>
+          <a:p>
+            <a:r>
+              <a:rPr lang="zh-CN" altLang="en-US" dirty="0"/>
+              <a:t>备份步骤</a:t>
+            </a:r>
+            <a:endParaRPr lang="en-US" altLang="zh-CN" dirty="0"/>
+          </a:p>
+          <a:p>
+            <a:pPr marL="342900" indent="-342900">
+              <a:buAutoNum type="arabicPeriod"/>
+            </a:pPr>
+            <a:r>
+              <a:rPr lang="zh-CN" altLang="en-US" dirty="0"/>
+              <a:t>停止</a:t>
+            </a:r>
+            <a:r>
+              <a:rPr lang="en-US" altLang="zh-CN" dirty="0"/>
+              <a:t>balancer</a:t>
+            </a:r>
+          </a:p>
+          <a:p>
+            <a:pPr lvl="1" indent="0">
+              <a:buNone/>
+            </a:pPr>
+            <a:r>
+              <a:rPr lang="en-US" altLang="zh-CN" sz="1600" i="1" dirty="0">
+                <a:highlight>
+                  <a:srgbClr val="C0C0C0"/>
+                </a:highlight>
+              </a:rPr>
+              <a:t>use config</a:t>
+            </a:r>
+          </a:p>
+          <a:p>
+            <a:pPr lvl="1" indent="0">
+              <a:buNone/>
+            </a:pPr>
+            <a:r>
+              <a:rPr lang="en-US" altLang="zh-CN" sz="1600" i="1" dirty="0" err="1">
+                <a:highlight>
+                  <a:srgbClr val="C0C0C0"/>
+                </a:highlight>
+              </a:rPr>
+              <a:t>sh.stopBalancer</a:t>
+            </a:r>
+            <a:r>
+              <a:rPr lang="en-US" altLang="zh-CN" sz="1600" i="1" dirty="0">
+                <a:highlight>
+                  <a:srgbClr val="C0C0C0"/>
+                </a:highlight>
+              </a:rPr>
+              <a:t>()</a:t>
+            </a:r>
+          </a:p>
+          <a:p>
+            <a:pPr marL="342900" indent="-342900">
+              <a:buFont typeface="System Font Regular"/>
+              <a:buAutoNum type="arabicPeriod"/>
+            </a:pPr>
+            <a:r>
+              <a:rPr lang="zh-CN" altLang="en-US" dirty="0"/>
+              <a:t>锁住</a:t>
+            </a:r>
+            <a:r>
+              <a:rPr lang="en-US" altLang="zh-CN" dirty="0"/>
+              <a:t>secondary member</a:t>
+            </a:r>
+          </a:p>
+          <a:p>
+            <a:pPr lvl="1" indent="0">
+              <a:buNone/>
+            </a:pPr>
+            <a:r>
+              <a:rPr lang="en-US" altLang="zh-CN" sz="1600" i="1" dirty="0" err="1">
+                <a:highlight>
+                  <a:srgbClr val="C0C0C0"/>
+                </a:highlight>
+              </a:rPr>
+              <a:t>db.fsyncLock</a:t>
+            </a:r>
+            <a:r>
+              <a:rPr lang="en-US" altLang="zh-CN" sz="1600" i="1" dirty="0">
+                <a:highlight>
+                  <a:srgbClr val="C0C0C0"/>
+                </a:highlight>
+              </a:rPr>
+              <a:t>()</a:t>
+            </a:r>
+          </a:p>
+          <a:p>
+            <a:pPr marL="342900" indent="-342900">
+              <a:buAutoNum type="arabicPeriod"/>
+            </a:pPr>
+            <a:r>
+              <a:rPr lang="zh-CN" altLang="en-US" dirty="0"/>
+              <a:t>备份其中一个</a:t>
+            </a:r>
+            <a:r>
+              <a:rPr lang="en-US" altLang="zh-CN" dirty="0"/>
+              <a:t>config</a:t>
+            </a:r>
+            <a:r>
+              <a:rPr lang="zh-CN" altLang="en-US" dirty="0"/>
+              <a:t> </a:t>
+            </a:r>
+            <a:r>
+              <a:rPr lang="en-US" altLang="zh-CN" dirty="0"/>
+              <a:t>server</a:t>
+            </a:r>
+          </a:p>
+          <a:p>
+            <a:pPr marL="342900" indent="-342900">
+              <a:buAutoNum type="arabicPeriod"/>
+            </a:pPr>
+            <a:r>
+              <a:rPr lang="zh-CN" altLang="en-US" dirty="0"/>
+              <a:t>每一个分片备份一个复制集</a:t>
+            </a:r>
+            <a:r>
+              <a:rPr lang="en-US" altLang="zh-CN" dirty="0"/>
+              <a:t>member</a:t>
+            </a:r>
+            <a:r>
+              <a:rPr lang="zh-CN" altLang="en-US" dirty="0"/>
+              <a:t>（第</a:t>
+            </a:r>
+            <a:r>
+              <a:rPr lang="en-US" altLang="zh-CN" dirty="0"/>
+              <a:t>2</a:t>
+            </a:r>
+            <a:r>
+              <a:rPr lang="zh-CN" altLang="en-US" dirty="0"/>
+              <a:t>步锁住的那个）</a:t>
+            </a:r>
+            <a:endParaRPr lang="en-US" altLang="zh-CN" dirty="0"/>
+          </a:p>
+          <a:p>
+            <a:pPr marL="342900" indent="-342900">
+              <a:buAutoNum type="arabicPeriod"/>
+            </a:pPr>
+            <a:r>
+              <a:rPr lang="zh-CN" altLang="en-US" dirty="0"/>
+              <a:t>解锁</a:t>
+            </a:r>
+            <a:r>
+              <a:rPr lang="en-US" altLang="zh-CN" dirty="0"/>
+              <a:t>secondary</a:t>
+            </a:r>
+            <a:r>
+              <a:rPr lang="zh-CN" altLang="en-US" dirty="0"/>
+              <a:t> </a:t>
+            </a:r>
+            <a:r>
+              <a:rPr lang="en-US" altLang="zh-CN" dirty="0"/>
+              <a:t>member </a:t>
+            </a:r>
+          </a:p>
+          <a:p>
+            <a:pPr lvl="1" indent="0">
+              <a:buNone/>
+            </a:pPr>
+            <a:r>
+              <a:rPr lang="en-US" altLang="zh-CN" sz="1600" i="1" dirty="0" err="1">
+                <a:highlight>
+                  <a:srgbClr val="C0C0C0"/>
+                </a:highlight>
+              </a:rPr>
+              <a:t>db.fsyncUnlock</a:t>
+            </a:r>
+            <a:r>
+              <a:rPr lang="en-US" altLang="zh-CN" sz="1600" i="1" dirty="0">
+                <a:highlight>
+                  <a:srgbClr val="C0C0C0"/>
+                </a:highlight>
+              </a:rPr>
+              <a:t>()</a:t>
+            </a:r>
+          </a:p>
+          <a:p>
+            <a:pPr marL="342900" indent="-342900">
+              <a:buAutoNum type="arabicPeriod"/>
+            </a:pPr>
+            <a:r>
+              <a:rPr lang="zh-CN" altLang="en-US" dirty="0"/>
+              <a:t>启动</a:t>
+            </a:r>
+            <a:r>
+              <a:rPr lang="en-US" altLang="zh-CN" dirty="0"/>
+              <a:t>balancer</a:t>
+            </a:r>
+          </a:p>
+          <a:p>
+            <a:pPr lvl="1" indent="0">
+              <a:buNone/>
+            </a:pPr>
+            <a:r>
+              <a:rPr lang="en-US" altLang="zh-CN" sz="1600" i="1" dirty="0" err="1">
+                <a:highlight>
+                  <a:srgbClr val="C0C0C0"/>
+                </a:highlight>
+              </a:rPr>
+              <a:t>sh.startBalancer</a:t>
+            </a:r>
+            <a:r>
+              <a:rPr lang="en-US" altLang="zh-CN" sz="1600" i="1" dirty="0">
+                <a:highlight>
+                  <a:srgbClr val="C0C0C0"/>
+                </a:highlight>
+              </a:rPr>
+              <a:t>()</a:t>
+            </a:r>
+          </a:p>
+        </p:txBody>
+      </p:sp>
+      <p:sp>
+        <p:nvSpPr>
+          <p:cNvPr id="2" name="Content Placeholder 7">
+            <a:extLst>
+              <a:ext uri="{FF2B5EF4-FFF2-40B4-BE49-F238E27FC236}">
+                <a16:creationId xmlns:a16="http://schemas.microsoft.com/office/drawing/2014/main" id="{4E136131-B70B-8C84-DAFB-23A4A0FD8A88}"/>
+              </a:ext>
+            </a:extLst>
+          </p:cNvPr>
+          <p:cNvSpPr txBox="1">
+            <a:spLocks/>
+          </p:cNvSpPr>
+          <p:nvPr/>
+        </p:nvSpPr>
+        <p:spPr>
+          <a:xfrm>
+            <a:off x="6324601" y="1143000"/>
+            <a:ext cx="5410199" cy="5301456"/>
+          </a:xfrm>
+          <a:prstGeom prst="rect">
+            <a:avLst/>
+          </a:prstGeom>
+          <a:noFill/>
+        </p:spPr>
+        <p:txBody>
+          <a:bodyPr vert="horz" lIns="0" tIns="0" rIns="0" bIns="0" rtlCol="0">
+            <a:noAutofit/>
+          </a:bodyPr>
+          <a:lstStyle>
+            <a:lvl1pPr marL="0" marR="0" indent="0" algn="l" defTabSz="914400" rtl="0" eaLnBrk="1" fontAlgn="auto" latinLnBrk="0" hangingPunct="1">
+              <a:lnSpc>
+                <a:spcPct val="95000"/>
+              </a:lnSpc>
+              <a:spcBef>
+                <a:spcPts val="600"/>
+              </a:spcBef>
+              <a:spcAft>
+                <a:spcPts val="0"/>
+              </a:spcAft>
+              <a:buClrTx/>
+              <a:buSzTx/>
+              <a:buFont typeface="System Font Regular"/>
+              <a:buNone/>
+              <a:tabLst/>
+              <a:defRPr sz="1800" b="0" i="0" kern="1200">
+                <a:solidFill>
+                  <a:schemeClr val="tx1"/>
+                </a:solidFill>
+                <a:latin typeface="+mn-lt"/>
+                <a:ea typeface="+mn-ea"/>
+                <a:cs typeface="Oracle Sans Tab Light" panose="020B0403020204020204"/>
+              </a:defRPr>
+            </a:lvl1pPr>
+            <a:lvl2pPr marL="365760" marR="0" indent="-182880" algn="l" defTabSz="914400" rtl="0" eaLnBrk="1" fontAlgn="auto" latinLnBrk="0" hangingPunct="1">
+              <a:lnSpc>
+                <a:spcPct val="95000"/>
+              </a:lnSpc>
+              <a:spcBef>
+                <a:spcPts val="600"/>
+              </a:spcBef>
+              <a:spcAft>
+                <a:spcPts val="0"/>
+              </a:spcAft>
+              <a:buClrTx/>
+              <a:buSzPct val="100000"/>
+              <a:buFont typeface="Arial" panose="020B0604020202020204" pitchFamily="34" charset="0"/>
+              <a:buChar char="•"/>
+              <a:tabLst/>
+              <a:defRPr sz="1800" b="0" i="0" kern="1200">
+                <a:solidFill>
+                  <a:schemeClr val="tx1"/>
+                </a:solidFill>
+                <a:latin typeface="+mn-lt"/>
+                <a:ea typeface="+mn-ea"/>
+                <a:cs typeface="Oracle Sans Tab Light" panose="020B0403020204020204"/>
+              </a:defRPr>
+            </a:lvl2pPr>
+            <a:lvl3pPr marL="547688" marR="0" indent="-182563" algn="l" defTabSz="914400" rtl="0" eaLnBrk="1" fontAlgn="auto" latinLnBrk="0" hangingPunct="1">
+              <a:lnSpc>
+                <a:spcPct val="95000"/>
+              </a:lnSpc>
+              <a:spcBef>
+                <a:spcPts val="400"/>
+              </a:spcBef>
+              <a:spcAft>
+                <a:spcPts val="0"/>
+              </a:spcAft>
+              <a:buClrTx/>
+              <a:buSzPct val="100000"/>
+              <a:buFont typeface="Arial" panose="020B0604020202020204" pitchFamily="34" charset="0"/>
+              <a:buChar char="•"/>
+              <a:tabLst/>
+              <a:defRPr sz="1600" kern="1200">
+                <a:solidFill>
+                  <a:schemeClr val="tx1"/>
+                </a:solidFill>
+                <a:latin typeface="Oracle Sans Tab Light" panose="020B0403020204020204"/>
+                <a:ea typeface="+mn-ea"/>
+                <a:cs typeface="Oracle Sans Tab Light" panose="020B0403020204020204"/>
+              </a:defRPr>
+            </a:lvl3pPr>
+            <a:lvl4pPr marL="730250" marR="0" indent="-182563" algn="l" defTabSz="914400" rtl="0" eaLnBrk="1" fontAlgn="auto" latinLnBrk="0" hangingPunct="1">
+              <a:lnSpc>
+                <a:spcPct val="95000"/>
+              </a:lnSpc>
+              <a:spcBef>
+                <a:spcPts val="400"/>
+              </a:spcBef>
+              <a:spcAft>
+                <a:spcPts val="0"/>
+              </a:spcAft>
+              <a:buClrTx/>
+              <a:buSzPct val="100000"/>
+              <a:buFont typeface="Arial" panose="020B0604020202020204" pitchFamily="34" charset="0"/>
+              <a:buChar char="•"/>
+              <a:tabLst/>
+              <a:defRPr sz="1400" kern="1200">
+                <a:solidFill>
+                  <a:schemeClr val="tx1"/>
+                </a:solidFill>
+                <a:latin typeface="Oracle Sans Tab Light" panose="020B0403020204020204"/>
+                <a:ea typeface="+mn-ea"/>
+                <a:cs typeface="Oracle Sans Tab Light" panose="020B0403020204020204"/>
+              </a:defRPr>
+            </a:lvl4pPr>
+            <a:lvl5pPr marL="914400" marR="0" indent="-182880" algn="l" defTabSz="914400" rtl="0" eaLnBrk="1" fontAlgn="auto" latinLnBrk="0" hangingPunct="1">
+              <a:lnSpc>
+                <a:spcPct val="95000"/>
+              </a:lnSpc>
+              <a:spcBef>
+                <a:spcPts val="400"/>
+              </a:spcBef>
+              <a:spcAft>
+                <a:spcPts val="0"/>
+              </a:spcAft>
+              <a:buClrTx/>
+              <a:buSzTx/>
+              <a:buFont typeface="Oracle Sans Tab Light" panose="020B0403020204020204" pitchFamily="34" charset="0"/>
+              <a:buChar char="•"/>
+              <a:tabLst/>
+              <a:defRPr sz="1200" kern="1200">
+                <a:solidFill>
+                  <a:schemeClr val="tx1"/>
+                </a:solidFill>
+                <a:latin typeface="Oracle Sans Tab Light" panose="020B0403020204020204"/>
+                <a:ea typeface="+mn-ea"/>
+                <a:cs typeface="Oracle Sans Tab Light" panose="020B0403020204020204"/>
+              </a:defRPr>
+            </a:lvl5pPr>
+            <a:lvl6pPr marL="1097280" indent="-182880" algn="l" defTabSz="914400" rtl="0" eaLnBrk="1" latinLnBrk="0" hangingPunct="1">
+              <a:lnSpc>
+                <a:spcPct val="95000"/>
+              </a:lnSpc>
+              <a:spcBef>
+                <a:spcPts val="400"/>
+              </a:spcBef>
+              <a:spcAft>
+                <a:spcPts val="0"/>
+              </a:spcAft>
+              <a:buSzPct val="100000"/>
+              <a:buFont typeface="Arial" panose="020B0604020202020204" pitchFamily="34" charset="0"/>
+              <a:buChar char="•"/>
+              <a:defRPr sz="1200" b="0" i="0" kern="1200">
+                <a:solidFill>
+                  <a:schemeClr val="tx1"/>
+                </a:solidFill>
+                <a:latin typeface="Oracle Sans Light" panose="020B0403020204020204" pitchFamily="34" charset="0"/>
+                <a:ea typeface="+mn-ea"/>
+                <a:cs typeface="Oracle Sans Light" panose="020B0403020204020204" pitchFamily="34" charset="0"/>
+              </a:defRPr>
+            </a:lvl6pPr>
+            <a:lvl7pPr marL="1280160" indent="-182880" algn="l" defTabSz="914400" rtl="0" eaLnBrk="1" latinLnBrk="0" hangingPunct="1">
+              <a:lnSpc>
+                <a:spcPct val="95000"/>
+              </a:lnSpc>
+              <a:spcBef>
+                <a:spcPts val="400"/>
+              </a:spcBef>
+              <a:spcAft>
+                <a:spcPts val="0"/>
+              </a:spcAft>
+              <a:buFont typeface="Arial" panose="020B0604020202020204" pitchFamily="34" charset="0"/>
+              <a:buChar char="•"/>
+              <a:defRPr sz="1200" b="0" i="0" kern="1200">
+                <a:solidFill>
+                  <a:schemeClr val="tx1"/>
+                </a:solidFill>
+                <a:latin typeface="Oracle Sans Light" panose="020B0403020204020204" pitchFamily="34" charset="0"/>
+                <a:ea typeface="+mn-ea"/>
+                <a:cs typeface="Oracle Sans Light" panose="020B0403020204020204" pitchFamily="34" charset="0"/>
+              </a:defRPr>
+            </a:lvl7pPr>
+            <a:lvl8pPr marL="3429000" indent="-228600" algn="l" defTabSz="914400" rtl="0" eaLnBrk="1" latinLnBrk="0" hangingPunct="1">
+              <a:lnSpc>
+                <a:spcPct val="90000"/>
+              </a:lnSpc>
+              <a:spcBef>
+                <a:spcPts val="500"/>
+              </a:spcBef>
+              <a:buFont typeface="Arial" panose="020B0604020202020204" pitchFamily="34" charset="0"/>
+              <a:buChar char="•"/>
+              <a:defRPr sz="1800" kern="1200">
+                <a:solidFill>
+                  <a:schemeClr val="tx1"/>
+                </a:solidFill>
+                <a:latin typeface="+mn-lt"/>
+                <a:ea typeface="+mn-ea"/>
+                <a:cs typeface="+mn-cs"/>
+              </a:defRPr>
+            </a:lvl8pPr>
+            <a:lvl9pPr marL="3886200" indent="-228600" algn="l" defTabSz="914400" rtl="0" eaLnBrk="1" latinLnBrk="0" hangingPunct="1">
+              <a:lnSpc>
+                <a:spcPct val="90000"/>
+              </a:lnSpc>
+              <a:spcBef>
+                <a:spcPts val="500"/>
+              </a:spcBef>
+              <a:buFont typeface="Arial" panose="020B0604020202020204" pitchFamily="34" charset="0"/>
+              <a:buChar char="•"/>
+              <a:defRPr sz="1800" kern="1200">
+                <a:solidFill>
+                  <a:schemeClr val="tx1"/>
+                </a:solidFill>
+                <a:latin typeface="+mn-lt"/>
+                <a:ea typeface="+mn-ea"/>
+                <a:cs typeface="+mn-cs"/>
+              </a:defRPr>
+            </a:lvl9pPr>
+          </a:lstStyle>
+          <a:p>
+            <a:r>
+              <a:rPr lang="zh-CN" altLang="en-US" dirty="0"/>
+              <a:t>恢复步骤</a:t>
+            </a:r>
+            <a:endParaRPr lang="en-US" altLang="zh-CN" dirty="0"/>
+          </a:p>
+          <a:p>
+            <a:pPr marL="342900" indent="-342900">
+              <a:buFont typeface="System Font Regular"/>
+              <a:buAutoNum type="arabicPeriod"/>
+            </a:pPr>
+            <a:r>
+              <a:rPr lang="zh-CN" altLang="en-US" dirty="0"/>
+              <a:t>恢复</a:t>
+            </a:r>
+            <a:r>
+              <a:rPr lang="en-US" altLang="zh-CN" dirty="0"/>
+              <a:t>Config</a:t>
+            </a:r>
+            <a:r>
+              <a:rPr lang="zh-CN" altLang="en-US" dirty="0"/>
+              <a:t> </a:t>
+            </a:r>
+            <a:r>
+              <a:rPr lang="en-US" altLang="zh-CN" dirty="0"/>
+              <a:t>Server</a:t>
+            </a:r>
+            <a:r>
+              <a:rPr lang="zh-CN" altLang="en-US" dirty="0"/>
+              <a:t>复制集</a:t>
+            </a:r>
+            <a:endParaRPr lang="en-US" altLang="zh-CN" dirty="0"/>
+          </a:p>
+          <a:p>
+            <a:pPr marL="708660" lvl="1" indent="-342900">
+              <a:buFont typeface="+mj-lt"/>
+              <a:buAutoNum type="alphaLcParenR"/>
+            </a:pPr>
+            <a:r>
+              <a:rPr lang="zh-CN" altLang="en-US" sz="1600" dirty="0"/>
+              <a:t>恢复数据文件</a:t>
+            </a:r>
+            <a:endParaRPr lang="en-US" altLang="zh-CN" sz="1600" dirty="0"/>
+          </a:p>
+          <a:p>
+            <a:pPr marL="708660" lvl="1" indent="-342900">
+              <a:buFont typeface="+mj-lt"/>
+              <a:buAutoNum type="alphaLcParenR"/>
+            </a:pPr>
+            <a:r>
+              <a:rPr lang="zh-CN" altLang="en-US" sz="1600" dirty="0"/>
+              <a:t>注释掉</a:t>
+            </a:r>
+            <a:r>
+              <a:rPr lang="en-US" altLang="zh-CN" sz="1600" dirty="0"/>
+              <a:t>configuration</a:t>
+            </a:r>
+            <a:r>
+              <a:rPr lang="zh-CN" altLang="en-US" sz="1600" dirty="0"/>
+              <a:t> </a:t>
+            </a:r>
+            <a:r>
+              <a:rPr lang="en-US" altLang="zh-CN" sz="1600" dirty="0"/>
+              <a:t>file</a:t>
+            </a:r>
+            <a:r>
+              <a:rPr lang="zh-CN" altLang="en-US" sz="1600" dirty="0"/>
+              <a:t>的分片复制设置</a:t>
+            </a:r>
+            <a:endParaRPr lang="en-US" altLang="zh-CN" sz="1600" dirty="0"/>
+          </a:p>
+          <a:p>
+            <a:pPr marL="708660" lvl="1" indent="-342900">
+              <a:buFont typeface="+mj-lt"/>
+              <a:buAutoNum type="alphaLcParenR"/>
+            </a:pPr>
+            <a:r>
+              <a:rPr lang="zh-CN" altLang="en-US" sz="1600" dirty="0"/>
+              <a:t>启动后删除</a:t>
+            </a:r>
+            <a:r>
+              <a:rPr lang="en-US" altLang="zh-CN" sz="1600" dirty="0"/>
+              <a:t>local</a:t>
+            </a:r>
+            <a:r>
+              <a:rPr lang="zh-CN" altLang="en-US" sz="1600" dirty="0"/>
+              <a:t> </a:t>
+            </a:r>
+            <a:r>
+              <a:rPr lang="en-US" altLang="zh-CN" sz="1600" dirty="0"/>
+              <a:t>database</a:t>
+            </a:r>
+          </a:p>
+          <a:p>
+            <a:pPr marL="708660" lvl="1" indent="-342900">
+              <a:buFont typeface="+mj-lt"/>
+              <a:buAutoNum type="alphaLcParenR"/>
+            </a:pPr>
+            <a:r>
+              <a:rPr lang="zh-CN" altLang="en-US" sz="1600" dirty="0"/>
+              <a:t>分片主机名或分片复制集名有变化的，需要修改</a:t>
+            </a:r>
+            <a:r>
+              <a:rPr lang="en-US" altLang="zh-CN" sz="1600" dirty="0" err="1"/>
+              <a:t>config.shards</a:t>
+            </a:r>
+            <a:r>
+              <a:rPr lang="zh-CN" altLang="en-US" sz="1600" dirty="0"/>
+              <a:t>集合中的元数据。</a:t>
+            </a:r>
+            <a:endParaRPr lang="en-US" altLang="zh-CN" sz="1600" dirty="0"/>
+          </a:p>
+          <a:p>
+            <a:pPr marL="708660" lvl="1" indent="-342900">
+              <a:buFont typeface="+mj-lt"/>
+              <a:buAutoNum type="alphaLcParenR"/>
+            </a:pPr>
+            <a:r>
+              <a:rPr lang="zh-CN" altLang="en-US" sz="1600" dirty="0"/>
+              <a:t>作为单节点复制集重启</a:t>
+            </a:r>
+            <a:r>
+              <a:rPr lang="en-US" altLang="zh-CN" sz="1600" dirty="0" err="1"/>
+              <a:t>mongod</a:t>
+            </a:r>
+            <a:r>
+              <a:rPr lang="zh-CN" altLang="en-US" sz="1600" dirty="0"/>
+              <a:t>，打开</a:t>
+            </a:r>
+            <a:r>
+              <a:rPr lang="en-US" altLang="zh-CN" sz="1600" dirty="0"/>
+              <a:t>configuration</a:t>
+            </a:r>
+            <a:r>
+              <a:rPr lang="zh-CN" altLang="en-US" sz="1600" dirty="0"/>
+              <a:t> </a:t>
+            </a:r>
+            <a:r>
+              <a:rPr lang="en-US" altLang="zh-CN" sz="1600" dirty="0"/>
+              <a:t>file</a:t>
+            </a:r>
+            <a:r>
+              <a:rPr lang="zh-CN" altLang="en-US" sz="1600" dirty="0"/>
+              <a:t>的分片复制设置</a:t>
+            </a:r>
+            <a:endParaRPr lang="en-US" altLang="zh-CN" sz="1600" dirty="0"/>
+          </a:p>
+          <a:p>
+            <a:pPr marL="708660" lvl="1" indent="-342900">
+              <a:buFont typeface="+mj-lt"/>
+              <a:buAutoNum type="alphaLcParenR"/>
+            </a:pPr>
+            <a:r>
+              <a:rPr lang="zh-CN" altLang="en-US" sz="1600" dirty="0"/>
+              <a:t>初始化复制集并添加复制集成员</a:t>
+            </a:r>
+            <a:endParaRPr lang="en-US" altLang="zh-CN" sz="1600" dirty="0"/>
+          </a:p>
+          <a:p>
+            <a:pPr marL="342900" indent="-342900">
+              <a:buFont typeface="System Font Regular"/>
+              <a:buAutoNum type="arabicPeriod"/>
+            </a:pPr>
+            <a:r>
+              <a:rPr lang="zh-CN" altLang="en-US" dirty="0"/>
+              <a:t>恢复每个分片复制集</a:t>
+            </a:r>
+            <a:endParaRPr lang="en-US" altLang="zh-CN" dirty="0"/>
+          </a:p>
+          <a:p>
+            <a:pPr marL="708660" lvl="1" indent="-342900">
+              <a:buFont typeface="+mj-lt"/>
+              <a:buAutoNum type="alphaLcParenR"/>
+            </a:pPr>
+            <a:r>
+              <a:rPr lang="zh-CN" altLang="en-US" sz="1600" dirty="0"/>
+              <a:t>恢复分片复制集的</a:t>
+            </a:r>
+            <a:r>
+              <a:rPr lang="en-US" altLang="zh-CN" sz="1600" dirty="0"/>
+              <a:t>primary</a:t>
+            </a:r>
+            <a:r>
+              <a:rPr lang="zh-CN" altLang="en-US" sz="1600" dirty="0"/>
+              <a:t>的数据文件</a:t>
+            </a:r>
+            <a:endParaRPr lang="en-US" altLang="zh-CN" sz="1600" dirty="0"/>
+          </a:p>
+          <a:p>
+            <a:pPr marL="708660" lvl="1" indent="-342900">
+              <a:buFont typeface="+mj-lt"/>
+              <a:buAutoNum type="alphaLcParenR"/>
+            </a:pPr>
+            <a:r>
+              <a:rPr lang="zh-CN" altLang="en-US" sz="1600" dirty="0"/>
+              <a:t>注释掉</a:t>
+            </a:r>
+            <a:r>
+              <a:rPr lang="en-US" altLang="zh-CN" sz="1600" dirty="0"/>
+              <a:t>configuration</a:t>
+            </a:r>
+            <a:r>
+              <a:rPr lang="zh-CN" altLang="en-US" sz="1600" dirty="0"/>
+              <a:t> </a:t>
+            </a:r>
+            <a:r>
+              <a:rPr lang="en-US" altLang="zh-CN" sz="1600" dirty="0"/>
+              <a:t>file</a:t>
+            </a:r>
+            <a:r>
+              <a:rPr lang="zh-CN" altLang="en-US" sz="1600" dirty="0"/>
+              <a:t>的分片复制设置</a:t>
+            </a:r>
+            <a:endParaRPr lang="en-US" altLang="zh-CN" sz="1600" dirty="0"/>
+          </a:p>
+          <a:p>
+            <a:pPr marL="708660" lvl="1" indent="-342900">
+              <a:buFont typeface="+mj-lt"/>
+              <a:buAutoNum type="alphaLcParenR"/>
+            </a:pPr>
+            <a:r>
+              <a:rPr lang="zh-CN" altLang="en-US" sz="1600" dirty="0"/>
+              <a:t>启动</a:t>
+            </a:r>
+            <a:r>
+              <a:rPr lang="en-US" altLang="zh-CN" sz="1600" dirty="0" err="1"/>
+              <a:t>mongod</a:t>
+            </a:r>
+            <a:r>
+              <a:rPr lang="zh-CN" altLang="en-US" sz="1600" dirty="0"/>
+              <a:t>，创建临时管理远用户</a:t>
+            </a:r>
+            <a:endParaRPr lang="en-US" altLang="zh-CN" sz="1600" dirty="0"/>
+          </a:p>
+          <a:p>
+            <a:pPr marL="708660" lvl="1" indent="-342900">
+              <a:buFont typeface="+mj-lt"/>
+              <a:buAutoNum type="alphaLcParenR"/>
+            </a:pPr>
+            <a:r>
+              <a:rPr lang="zh-CN" altLang="en-US" sz="1600" dirty="0"/>
+              <a:t>删除</a:t>
+            </a:r>
+            <a:r>
+              <a:rPr lang="en-US" altLang="zh-CN" sz="1600" dirty="0"/>
+              <a:t>local</a:t>
+            </a:r>
+            <a:r>
+              <a:rPr lang="zh-CN" altLang="en-US" sz="1600" dirty="0"/>
+              <a:t>数据库，删除</a:t>
+            </a:r>
+            <a:r>
+              <a:rPr lang="en-US" altLang="zh-CN" sz="1600" dirty="0" err="1"/>
+              <a:t>system.versionj</a:t>
+            </a:r>
+            <a:r>
+              <a:rPr lang="zh-CN" altLang="en-US" sz="1600" dirty="0"/>
+              <a:t>集合</a:t>
+            </a:r>
+            <a:endParaRPr lang="en-US" altLang="zh-CN" sz="1600" dirty="0"/>
+          </a:p>
+          <a:p>
+            <a:pPr marL="708660" lvl="1" indent="-342900">
+              <a:buFont typeface="+mj-lt"/>
+              <a:buAutoNum type="alphaLcParenR"/>
+            </a:pPr>
+            <a:r>
+              <a:rPr lang="zh-CN" altLang="en-US" sz="1600" dirty="0"/>
+              <a:t>重启单节点的复制集，</a:t>
+            </a:r>
+            <a:r>
+              <a:rPr lang="en-US" altLang="zh-CN" sz="1600" dirty="0"/>
+              <a:t> configuration</a:t>
+            </a:r>
+            <a:r>
+              <a:rPr lang="zh-CN" altLang="en-US" sz="1600" dirty="0"/>
+              <a:t> </a:t>
+            </a:r>
+            <a:r>
+              <a:rPr lang="en-US" altLang="zh-CN" sz="1600" dirty="0"/>
+              <a:t>file</a:t>
+            </a:r>
+            <a:r>
+              <a:rPr lang="zh-CN" altLang="en-US" sz="1600" dirty="0"/>
+              <a:t>的分片复制设置</a:t>
+            </a:r>
+            <a:endParaRPr lang="en-US" altLang="zh-CN" sz="1600" dirty="0"/>
+          </a:p>
+          <a:p>
+            <a:pPr marL="708660" lvl="1" indent="-342900">
+              <a:buFont typeface="+mj-lt"/>
+              <a:buAutoNum type="alphaLcParenR"/>
+            </a:pPr>
+            <a:r>
+              <a:rPr lang="zh-CN" altLang="en-US" sz="1600" dirty="0"/>
+              <a:t>初始化复制集并添加复制集成员</a:t>
+            </a:r>
+            <a:endParaRPr lang="en-US" altLang="zh-CN" sz="1600" dirty="0"/>
+          </a:p>
+          <a:p>
+            <a:pPr marL="708660" lvl="1" indent="-342900">
+              <a:buFont typeface="+mj-lt"/>
+              <a:buAutoNum type="alphaLcParenR"/>
+            </a:pPr>
+            <a:endParaRPr lang="en-US" altLang="zh-CN" sz="1600" dirty="0"/>
+          </a:p>
+          <a:p>
+            <a:pPr marL="708660" lvl="1" indent="-342900">
+              <a:buFont typeface="+mj-lt"/>
+              <a:buAutoNum type="alphaLcParenR"/>
+            </a:pPr>
+            <a:endParaRPr lang="en-US" altLang="zh-CN" sz="1600" dirty="0"/>
+          </a:p>
+        </p:txBody>
+      </p:sp>
+    </p:spTree>
+    <p:extLst>
+      <p:ext uri="{BB962C8B-B14F-4D97-AF65-F5344CB8AC3E}">
+        <p14:creationId xmlns:p14="http://schemas.microsoft.com/office/powerpoint/2010/main" val="2733101865"/>
+      </p:ext>
+    </p:extLst>
+  </p:cSld>
+  <p:clrMapOvr>
+    <a:masterClrMapping/>
+  </p:clrMapOvr>
+  <mc:AlternateContent xmlns:mc="http://schemas.openxmlformats.org/markup-compatibility/2006">
+    <mc:Choice xmlns:p14="http://schemas.microsoft.com/office/powerpoint/2010/main" Requires="p14">
+      <p:transition spd="med" p14:dur="700">
+        <p:fade/>
+      </p:transition>
+    </mc:Choice>
+    <mc:Fallback>
       <p:transition spd="med">
         <p:fade/>
       </p:transition>
